--- a/CONTRIB-xxxx-huawei-01 - AIM UC6.pptx
+++ b/CONTRIB-xxxx-huawei-01 - AIM UC6.pptx
@@ -366,7 +366,7 @@
           <a:p>
             <a:fld id="{C3F093E4-B536-2948-B9CB-B40DF7DC4643}" type="datetimeFigureOut">
               <a:rPr lang="en-US" smtClean="0"/>
-              <a:t>5/24/2023</a:t>
+              <a:t>5/25/23</a:t>
             </a:fld>
             <a:endParaRPr lang="en-US"/>
           </a:p>
@@ -543,7 +543,7 @@
           <a:p>
             <a:fld id="{8E537912-96D5-1547-AE1F-A142F0C0CD91}" type="datetimeFigureOut">
               <a:rPr lang="en-US" smtClean="0"/>
-              <a:t>5/24/2023</a:t>
+              <a:t>5/25/23</a:t>
             </a:fld>
             <a:endParaRPr lang="en-US"/>
           </a:p>
@@ -7078,7 +7078,7 @@
           <a:p>
             <a:fld id="{9E4F0933-FC57-4F6A-A17A-E0B74E1E025E}" type="datetimeFigureOut">
               <a:rPr lang="en-US" smtClean="0"/>
-              <a:t>5/24/2023</a:t>
+              <a:t>5/25/23</a:t>
             </a:fld>
             <a:endParaRPr lang="en-US"/>
           </a:p>
@@ -10918,7 +10918,12 @@
             <p:ph type="subTitle" idx="1"/>
           </p:nvPr>
         </p:nvSpPr>
-        <p:spPr/>
+        <p:spPr>
+          <a:xfrm>
+            <a:off x="358079" y="364164"/>
+            <a:ext cx="5228334" cy="374756"/>
+          </a:xfrm>
+        </p:spPr>
         <p:txBody>
           <a:bodyPr>
             <a:normAutofit/>
@@ -10935,7 +10940,7 @@
             </a:r>
             <a:r>
               <a:rPr lang="en-US" dirty="0"/>
-              <a:t> Liu</a:t>
+              <a:t> Liu, Aihua Guo</a:t>
             </a:r>
           </a:p>
         </p:txBody>
@@ -12428,7 +12433,7 @@
           <a:p>
             <a:r>
               <a:rPr lang="en-US" dirty="0"/>
-              <a:t>The centralized Wi-Fi control and AI algorithms can be flexibly deployed either together with the controller or embedded on OLT devices</a:t>
+              <a:t>The Wi-Fi control and AI algorithms can be deployed in a distributed way on the controller and embedded on OLT devices</a:t>
             </a:r>
           </a:p>
           <a:p>
@@ -12563,7 +12568,7 @@
           <a:p>
             <a:r>
               <a:rPr lang="en-US" dirty="0"/>
-              <a:t>The AIM interfaces need extension to support this use case</a:t>
+              <a:t>The AIM framework needs to be extended to support this use case</a:t>
             </a:r>
           </a:p>
         </p:txBody>
